--- a/slide/data stream mining.pptx
+++ b/slide/data stream mining.pptx
@@ -118,7 +118,7 @@
   </p:defaultTextStyle>
   <p:extLst>
     <p:ext uri="{EFAFB233-063F-42B5-8137-9DF3F51BA10A}">
-      <p15:sldGuideLst xmlns="" xmlns:p15="http://schemas.microsoft.com/office/powerpoint/2012/main"/>
+      <p15:sldGuideLst xmlns:p15="http://schemas.microsoft.com/office/powerpoint/2012/main" xmlns=""/>
     </p:ext>
   </p:extLst>
 </p:presentation>
@@ -267,7 +267,7 @@
           <a:p>
             <a:fld id="{F77B2EB1-EA88-4503-95EA-93923E5BA59E}" type="datetimeFigureOut">
               <a:rPr lang="en-US" smtClean="0"/>
-              <a:t>3/9/2013</a:t>
+              <a:t>3/12/2013</a:t>
             </a:fld>
             <a:endParaRPr lang="en-US"/>
           </a:p>
@@ -626,7 +626,7 @@
           <a:p>
             <a:fld id="{F77B2EB1-EA88-4503-95EA-93923E5BA59E}" type="datetimeFigureOut">
               <a:rPr lang="en-US" smtClean="0"/>
-              <a:t>3/9/2013</a:t>
+              <a:t>3/12/2013</a:t>
             </a:fld>
             <a:endParaRPr lang="en-US"/>
           </a:p>
@@ -801,7 +801,7 @@
           <a:p>
             <a:fld id="{F77B2EB1-EA88-4503-95EA-93923E5BA59E}" type="datetimeFigureOut">
               <a:rPr lang="en-US" smtClean="0"/>
-              <a:t>3/9/2013</a:t>
+              <a:t>3/12/2013</a:t>
             </a:fld>
             <a:endParaRPr lang="en-US"/>
           </a:p>
@@ -1036,7 +1036,7 @@
           <a:p>
             <a:fld id="{F77B2EB1-EA88-4503-95EA-93923E5BA59E}" type="datetimeFigureOut">
               <a:rPr lang="en-US" smtClean="0"/>
-              <a:t>3/9/2013</a:t>
+              <a:t>3/12/2013</a:t>
             </a:fld>
             <a:endParaRPr lang="en-US"/>
           </a:p>
@@ -1305,7 +1305,7 @@
           <a:p>
             <a:fld id="{F77B2EB1-EA88-4503-95EA-93923E5BA59E}" type="datetimeFigureOut">
               <a:rPr lang="en-US" smtClean="0"/>
-              <a:t>3/9/2013</a:t>
+              <a:t>3/12/2013</a:t>
             </a:fld>
             <a:endParaRPr lang="en-US"/>
           </a:p>
@@ -1525,7 +1525,7 @@
           <a:p>
             <a:fld id="{F77B2EB1-EA88-4503-95EA-93923E5BA59E}" type="datetimeFigureOut">
               <a:rPr lang="en-US" smtClean="0"/>
-              <a:t>3/9/2013</a:t>
+              <a:t>3/12/2013</a:t>
             </a:fld>
             <a:endParaRPr lang="en-US"/>
           </a:p>
@@ -1877,7 +1877,7 @@
           <a:p>
             <a:fld id="{F77B2EB1-EA88-4503-95EA-93923E5BA59E}" type="datetimeFigureOut">
               <a:rPr lang="en-US" smtClean="0"/>
-              <a:t>3/9/2013</a:t>
+              <a:t>3/12/2013</a:t>
             </a:fld>
             <a:endParaRPr lang="en-US"/>
           </a:p>
@@ -2109,7 +2109,7 @@
           <a:p>
             <a:fld id="{F77B2EB1-EA88-4503-95EA-93923E5BA59E}" type="datetimeFigureOut">
               <a:rPr lang="en-US" smtClean="0"/>
-              <a:t>3/9/2013</a:t>
+              <a:t>3/12/2013</a:t>
             </a:fld>
             <a:endParaRPr lang="en-US"/>
           </a:p>
@@ -2249,7 +2249,7 @@
           <a:p>
             <a:fld id="{F77B2EB1-EA88-4503-95EA-93923E5BA59E}" type="datetimeFigureOut">
               <a:rPr lang="en-US" smtClean="0"/>
-              <a:t>3/9/2013</a:t>
+              <a:t>3/12/2013</a:t>
             </a:fld>
             <a:endParaRPr lang="en-US"/>
           </a:p>
@@ -2526,7 +2526,7 @@
           <a:p>
             <a:fld id="{F77B2EB1-EA88-4503-95EA-93923E5BA59E}" type="datetimeFigureOut">
               <a:rPr lang="en-US" smtClean="0"/>
-              <a:t>3/9/2013</a:t>
+              <a:t>3/12/2013</a:t>
             </a:fld>
             <a:endParaRPr lang="en-US"/>
           </a:p>
@@ -2933,7 +2933,7 @@
           <a:p>
             <a:fld id="{F77B2EB1-EA88-4503-95EA-93923E5BA59E}" type="datetimeFigureOut">
               <a:rPr lang="en-US" smtClean="0"/>
-              <a:t>3/9/2013</a:t>
+              <a:t>3/12/2013</a:t>
             </a:fld>
             <a:endParaRPr lang="en-US"/>
           </a:p>
@@ -3271,7 +3271,7 @@
           <a:p>
             <a:fld id="{F77B2EB1-EA88-4503-95EA-93923E5BA59E}" type="datetimeFigureOut">
               <a:rPr lang="en-US" smtClean="0"/>
-              <a:t>3/9/2013</a:t>
+              <a:t>3/12/2013</a:t>
             </a:fld>
             <a:endParaRPr lang="en-US"/>
           </a:p>
@@ -3849,8 +3849,12 @@
           </a:p>
           <a:p>
             <a:r>
-              <a:rPr lang="en-US" dirty="0" err="1" smtClean="0"/>
-              <a:t>Email:zixiaojindao@gmail.com</a:t>
+              <a:rPr lang="en-US" dirty="0" smtClean="0"/>
+              <a:t>Email</a:t>
+            </a:r>
+            <a:r>
+              <a:rPr lang="en-US" dirty="0" smtClean="0"/>
+              <a:t>: zixiaojindao@gmail.com</a:t>
             </a:r>
             <a:endParaRPr lang="en-US" dirty="0"/>
           </a:p>

--- a/slide/data stream mining.pptx
+++ b/slide/data stream mining.pptx
@@ -118,7 +118,7 @@
   </p:defaultTextStyle>
   <p:extLst>
     <p:ext uri="{EFAFB233-063F-42B5-8137-9DF3F51BA10A}">
-      <p15:sldGuideLst xmlns:p15="http://schemas.microsoft.com/office/powerpoint/2012/main" xmlns=""/>
+      <p15:sldGuideLst xmlns="" xmlns:p15="http://schemas.microsoft.com/office/powerpoint/2012/main"/>
     </p:ext>
   </p:extLst>
 </p:presentation>
@@ -267,7 +267,7 @@
           <a:p>
             <a:fld id="{F77B2EB1-EA88-4503-95EA-93923E5BA59E}" type="datetimeFigureOut">
               <a:rPr lang="en-US" smtClean="0"/>
-              <a:t>3/12/2013</a:t>
+              <a:t>3/25/2013</a:t>
             </a:fld>
             <a:endParaRPr lang="en-US"/>
           </a:p>
@@ -626,7 +626,7 @@
           <a:p>
             <a:fld id="{F77B2EB1-EA88-4503-95EA-93923E5BA59E}" type="datetimeFigureOut">
               <a:rPr lang="en-US" smtClean="0"/>
-              <a:t>3/12/2013</a:t>
+              <a:t>3/25/2013</a:t>
             </a:fld>
             <a:endParaRPr lang="en-US"/>
           </a:p>
@@ -801,7 +801,7 @@
           <a:p>
             <a:fld id="{F77B2EB1-EA88-4503-95EA-93923E5BA59E}" type="datetimeFigureOut">
               <a:rPr lang="en-US" smtClean="0"/>
-              <a:t>3/12/2013</a:t>
+              <a:t>3/25/2013</a:t>
             </a:fld>
             <a:endParaRPr lang="en-US"/>
           </a:p>
@@ -1036,7 +1036,7 @@
           <a:p>
             <a:fld id="{F77B2EB1-EA88-4503-95EA-93923E5BA59E}" type="datetimeFigureOut">
               <a:rPr lang="en-US" smtClean="0"/>
-              <a:t>3/12/2013</a:t>
+              <a:t>3/25/2013</a:t>
             </a:fld>
             <a:endParaRPr lang="en-US"/>
           </a:p>
@@ -1305,7 +1305,7 @@
           <a:p>
             <a:fld id="{F77B2EB1-EA88-4503-95EA-93923E5BA59E}" type="datetimeFigureOut">
               <a:rPr lang="en-US" smtClean="0"/>
-              <a:t>3/12/2013</a:t>
+              <a:t>3/25/2013</a:t>
             </a:fld>
             <a:endParaRPr lang="en-US"/>
           </a:p>
@@ -1525,7 +1525,7 @@
           <a:p>
             <a:fld id="{F77B2EB1-EA88-4503-95EA-93923E5BA59E}" type="datetimeFigureOut">
               <a:rPr lang="en-US" smtClean="0"/>
-              <a:t>3/12/2013</a:t>
+              <a:t>3/25/2013</a:t>
             </a:fld>
             <a:endParaRPr lang="en-US"/>
           </a:p>
@@ -1877,7 +1877,7 @@
           <a:p>
             <a:fld id="{F77B2EB1-EA88-4503-95EA-93923E5BA59E}" type="datetimeFigureOut">
               <a:rPr lang="en-US" smtClean="0"/>
-              <a:t>3/12/2013</a:t>
+              <a:t>3/25/2013</a:t>
             </a:fld>
             <a:endParaRPr lang="en-US"/>
           </a:p>
@@ -2109,7 +2109,7 @@
           <a:p>
             <a:fld id="{F77B2EB1-EA88-4503-95EA-93923E5BA59E}" type="datetimeFigureOut">
               <a:rPr lang="en-US" smtClean="0"/>
-              <a:t>3/12/2013</a:t>
+              <a:t>3/25/2013</a:t>
             </a:fld>
             <a:endParaRPr lang="en-US"/>
           </a:p>
@@ -2249,7 +2249,7 @@
           <a:p>
             <a:fld id="{F77B2EB1-EA88-4503-95EA-93923E5BA59E}" type="datetimeFigureOut">
               <a:rPr lang="en-US" smtClean="0"/>
-              <a:t>3/12/2013</a:t>
+              <a:t>3/25/2013</a:t>
             </a:fld>
             <a:endParaRPr lang="en-US"/>
           </a:p>
@@ -2526,7 +2526,7 @@
           <a:p>
             <a:fld id="{F77B2EB1-EA88-4503-95EA-93923E5BA59E}" type="datetimeFigureOut">
               <a:rPr lang="en-US" smtClean="0"/>
-              <a:t>3/12/2013</a:t>
+              <a:t>3/25/2013</a:t>
             </a:fld>
             <a:endParaRPr lang="en-US"/>
           </a:p>
@@ -2933,7 +2933,7 @@
           <a:p>
             <a:fld id="{F77B2EB1-EA88-4503-95EA-93923E5BA59E}" type="datetimeFigureOut">
               <a:rPr lang="en-US" smtClean="0"/>
-              <a:t>3/12/2013</a:t>
+              <a:t>3/25/2013</a:t>
             </a:fld>
             <a:endParaRPr lang="en-US"/>
           </a:p>
@@ -3271,7 +3271,7 @@
           <a:p>
             <a:fld id="{F77B2EB1-EA88-4503-95EA-93923E5BA59E}" type="datetimeFigureOut">
               <a:rPr lang="en-US" smtClean="0"/>
-              <a:t>3/12/2013</a:t>
+              <a:t>3/25/2013</a:t>
             </a:fld>
             <a:endParaRPr lang="en-US"/>
           </a:p>
@@ -3850,11 +3850,7 @@
           <a:p>
             <a:r>
               <a:rPr lang="en-US" dirty="0" smtClean="0"/>
-              <a:t>Email</a:t>
-            </a:r>
-            <a:r>
-              <a:rPr lang="en-US" dirty="0" smtClean="0"/>
-              <a:t>: zixiaojindao@gmail.com</a:t>
+              <a:t>Email: zixiaojindao@gmail.com</a:t>
             </a:r>
             <a:endParaRPr lang="en-US" dirty="0"/>
           </a:p>
@@ -6303,231 +6299,318 @@
           </a:p>
         </p:txBody>
       </p:sp>
-      <p:sp>
-        <p:nvSpPr>
-          <p:cNvPr id="3" name="内容占位符 2"/>
-          <p:cNvSpPr>
-            <a:spLocks noGrp="1"/>
-          </p:cNvSpPr>
-          <p:nvPr>
-            <p:ph sz="quarter" idx="1"/>
-          </p:nvPr>
-        </p:nvSpPr>
-        <p:spPr>
-          <a:xfrm>
-            <a:off x="857956" y="1501423"/>
-            <a:ext cx="10646656" cy="4989688"/>
-          </a:xfrm>
-        </p:spPr>
-        <p:txBody>
-          <a:bodyPr>
-            <a:normAutofit fontScale="85000" lnSpcReduction="20000"/>
-          </a:bodyPr>
-          <a:lstStyle/>
-          <a:p>
-            <a:r>
-              <a:rPr lang="en-US" altLang="zh-CN" dirty="0" smtClean="0"/>
-              <a:t>Reservoir sampling</a:t>
-            </a:r>
-          </a:p>
-          <a:p>
-            <a:pPr marL="274320" lvl="1" indent="0">
-              <a:buNone/>
-            </a:pPr>
-            <a:r>
-              <a:rPr lang="en-US" altLang="zh-CN" dirty="0"/>
-              <a:t>array R[k];    // result</a:t>
-            </a:r>
-          </a:p>
-          <a:p>
-            <a:pPr marL="274320" lvl="1" indent="0">
-              <a:buNone/>
-            </a:pPr>
-            <a:r>
-              <a:rPr lang="en-US" altLang="zh-CN" dirty="0"/>
-              <a:t>integer </a:t>
-            </a:r>
-            <a:r>
-              <a:rPr lang="en-US" altLang="zh-CN" dirty="0" err="1"/>
-              <a:t>i</a:t>
-            </a:r>
-            <a:r>
-              <a:rPr lang="en-US" altLang="zh-CN" dirty="0"/>
-              <a:t>, j;</a:t>
-            </a:r>
-          </a:p>
-          <a:p>
-            <a:pPr marL="274320" lvl="1" indent="0">
-              <a:buNone/>
-            </a:pPr>
-            <a:r>
-              <a:rPr lang="en-US" altLang="zh-CN" dirty="0" smtClean="0"/>
-              <a:t>// </a:t>
-            </a:r>
-            <a:r>
-              <a:rPr lang="en-US" altLang="zh-CN" dirty="0"/>
-              <a:t>fill the reservoir array</a:t>
-            </a:r>
-          </a:p>
-          <a:p>
-            <a:pPr marL="274320" lvl="1" indent="0">
-              <a:buNone/>
-            </a:pPr>
-            <a:r>
-              <a:rPr lang="en-US" altLang="zh-CN" dirty="0"/>
-              <a:t>for each </a:t>
-            </a:r>
-            <a:r>
-              <a:rPr lang="en-US" altLang="zh-CN" dirty="0" err="1"/>
-              <a:t>i</a:t>
-            </a:r>
-            <a:r>
-              <a:rPr lang="en-US" altLang="zh-CN" dirty="0"/>
-              <a:t> in 1 to k do</a:t>
-            </a:r>
-          </a:p>
-          <a:p>
-            <a:pPr marL="274320" lvl="1" indent="0">
-              <a:buNone/>
-            </a:pPr>
-            <a:r>
-              <a:rPr lang="en-US" altLang="zh-CN" dirty="0"/>
-              <a:t>    R[</a:t>
-            </a:r>
-            <a:r>
-              <a:rPr lang="en-US" altLang="zh-CN" dirty="0" err="1"/>
-              <a:t>i</a:t>
-            </a:r>
-            <a:r>
-              <a:rPr lang="en-US" altLang="zh-CN" dirty="0"/>
-              <a:t>] := S[</a:t>
-            </a:r>
-            <a:r>
-              <a:rPr lang="en-US" altLang="zh-CN" dirty="0" err="1"/>
-              <a:t>i</a:t>
-            </a:r>
-            <a:r>
-              <a:rPr lang="en-US" altLang="zh-CN" dirty="0"/>
-              <a:t>]</a:t>
-            </a:r>
-          </a:p>
-          <a:p>
-            <a:pPr marL="274320" lvl="1" indent="0">
-              <a:buNone/>
-            </a:pPr>
-            <a:r>
-              <a:rPr lang="en-US" altLang="zh-CN" dirty="0"/>
-              <a:t>done;</a:t>
-            </a:r>
-          </a:p>
-          <a:p>
-            <a:pPr marL="274320" lvl="1" indent="0">
-              <a:buNone/>
-            </a:pPr>
-            <a:r>
-              <a:rPr lang="en-US" altLang="zh-CN" dirty="0" smtClean="0"/>
-              <a:t>// </a:t>
-            </a:r>
-            <a:r>
-              <a:rPr lang="en-US" altLang="zh-CN" dirty="0"/>
-              <a:t>replace elements with gradually decreasing probability</a:t>
-            </a:r>
-          </a:p>
-          <a:p>
-            <a:pPr marL="274320" lvl="1" indent="0">
-              <a:buNone/>
-            </a:pPr>
-            <a:r>
-              <a:rPr lang="en-US" altLang="zh-CN" dirty="0"/>
-              <a:t>for each </a:t>
-            </a:r>
-            <a:r>
-              <a:rPr lang="en-US" altLang="zh-CN" dirty="0" err="1"/>
-              <a:t>i</a:t>
-            </a:r>
-            <a:r>
-              <a:rPr lang="en-US" altLang="zh-CN" dirty="0"/>
-              <a:t> in k+1 to length(S) do</a:t>
-            </a:r>
-          </a:p>
-          <a:p>
-            <a:pPr marL="274320" lvl="1" indent="0">
-              <a:buNone/>
-            </a:pPr>
-            <a:r>
-              <a:rPr lang="en-US" altLang="zh-CN" dirty="0"/>
-              <a:t>    j := random(1, </a:t>
-            </a:r>
-            <a:r>
-              <a:rPr lang="en-US" altLang="zh-CN" dirty="0" err="1"/>
-              <a:t>i</a:t>
-            </a:r>
-            <a:r>
-              <a:rPr lang="en-US" altLang="zh-CN" dirty="0"/>
-              <a:t>);   // important: inclusive range</a:t>
-            </a:r>
-          </a:p>
-          <a:p>
-            <a:pPr marL="274320" lvl="1" indent="0">
-              <a:buNone/>
-            </a:pPr>
-            <a:r>
-              <a:rPr lang="en-US" altLang="zh-CN" dirty="0"/>
-              <a:t>    if j &lt;= k then</a:t>
-            </a:r>
-          </a:p>
-          <a:p>
-            <a:pPr marL="274320" lvl="1" indent="0">
-              <a:buNone/>
-            </a:pPr>
-            <a:r>
-              <a:rPr lang="en-US" altLang="zh-CN" dirty="0"/>
-              <a:t>        R[j] := S[</a:t>
-            </a:r>
-            <a:r>
-              <a:rPr lang="en-US" altLang="zh-CN" dirty="0" err="1"/>
-              <a:t>i</a:t>
-            </a:r>
-            <a:r>
-              <a:rPr lang="en-US" altLang="zh-CN" dirty="0"/>
-              <a:t>]</a:t>
-            </a:r>
-          </a:p>
-          <a:p>
-            <a:pPr marL="274320" lvl="1" indent="0">
-              <a:buNone/>
-            </a:pPr>
-            <a:r>
-              <a:rPr lang="en-US" altLang="zh-CN" dirty="0"/>
-              <a:t>    fi</a:t>
-            </a:r>
-          </a:p>
-          <a:p>
-            <a:pPr marL="274320" lvl="1" indent="0">
-              <a:buNone/>
-            </a:pPr>
-            <a:r>
-              <a:rPr lang="en-US" altLang="zh-CN" dirty="0" smtClean="0"/>
-              <a:t>Done</a:t>
-            </a:r>
-          </a:p>
-          <a:p>
-            <a:r>
-              <a:rPr lang="en-US" altLang="zh-CN" dirty="0" smtClean="0"/>
-              <a:t>Drawbacks: can not adapted to  </a:t>
-            </a:r>
-            <a:r>
-              <a:rPr lang="en-US" altLang="zh-CN" dirty="0"/>
-              <a:t>fluctuating </a:t>
-            </a:r>
-            <a:r>
-              <a:rPr lang="en-US" altLang="zh-CN" dirty="0" smtClean="0"/>
-              <a:t>data rates</a:t>
-            </a:r>
-            <a:endParaRPr lang="zh-CN" altLang="en-US" dirty="0"/>
-          </a:p>
-        </p:txBody>
-      </p:sp>
+      <mc:AlternateContent xmlns:mc="http://schemas.openxmlformats.org/markup-compatibility/2006">
+        <mc:Choice xmlns:a14="http://schemas.microsoft.com/office/drawing/2010/main" Requires="a14">
+          <p:sp>
+            <p:nvSpPr>
+              <p:cNvPr id="3" name="内容占位符 2"/>
+              <p:cNvSpPr>
+                <a:spLocks noGrp="1"/>
+              </p:cNvSpPr>
+              <p:nvPr>
+                <p:ph sz="quarter" idx="1"/>
+              </p:nvPr>
+            </p:nvSpPr>
+            <p:spPr>
+              <a:xfrm>
+                <a:off x="857956" y="1501423"/>
+                <a:ext cx="10646656" cy="4989688"/>
+              </a:xfrm>
+            </p:spPr>
+            <p:txBody>
+              <a:bodyPr>
+                <a:normAutofit fontScale="85000" lnSpcReduction="20000"/>
+              </a:bodyPr>
+              <a:lstStyle/>
+              <a:p>
+                <a:r>
+                  <a:rPr lang="en-US" altLang="zh-CN" dirty="0" smtClean="0"/>
+                  <a:t>Reservoir sampling</a:t>
+                </a:r>
+              </a:p>
+              <a:p>
+                <a:pPr marL="274320" lvl="1" indent="0">
+                  <a:buNone/>
+                </a:pPr>
+                <a:r>
+                  <a:rPr lang="en-US" altLang="zh-CN" dirty="0"/>
+                  <a:t>array R[k];    // result</a:t>
+                </a:r>
+              </a:p>
+              <a:p>
+                <a:pPr marL="274320" lvl="1" indent="0">
+                  <a:buNone/>
+                </a:pPr>
+                <a:r>
+                  <a:rPr lang="en-US" altLang="zh-CN" dirty="0"/>
+                  <a:t>integer </a:t>
+                </a:r>
+                <a:r>
+                  <a:rPr lang="en-US" altLang="zh-CN" dirty="0" err="1"/>
+                  <a:t>i</a:t>
+                </a:r>
+                <a:r>
+                  <a:rPr lang="en-US" altLang="zh-CN" dirty="0"/>
+                  <a:t>, j;</a:t>
+                </a:r>
+              </a:p>
+              <a:p>
+                <a:pPr marL="274320" lvl="1" indent="0">
+                  <a:buNone/>
+                </a:pPr>
+                <a:r>
+                  <a:rPr lang="en-US" altLang="zh-CN" dirty="0" smtClean="0"/>
+                  <a:t>// </a:t>
+                </a:r>
+                <a:r>
+                  <a:rPr lang="en-US" altLang="zh-CN" dirty="0"/>
+                  <a:t>fill the reservoir array</a:t>
+                </a:r>
+              </a:p>
+              <a:p>
+                <a:pPr marL="274320" lvl="1" indent="0">
+                  <a:buNone/>
+                </a:pPr>
+                <a:r>
+                  <a:rPr lang="en-US" altLang="zh-CN" dirty="0"/>
+                  <a:t>for each </a:t>
+                </a:r>
+                <a:r>
+                  <a:rPr lang="en-US" altLang="zh-CN" dirty="0" err="1"/>
+                  <a:t>i</a:t>
+                </a:r>
+                <a:r>
+                  <a:rPr lang="en-US" altLang="zh-CN" dirty="0"/>
+                  <a:t> in </a:t>
+                </a:r>
+                <a14:m>
+                  <m:oMath xmlns:m="http://schemas.openxmlformats.org/officeDocument/2006/math">
+                    <m:r>
+                      <a:rPr lang="en-US" altLang="zh-CN" i="1" dirty="0" smtClean="0">
+                        <a:latin typeface="Cambria Math"/>
+                      </a:rPr>
+                      <m:t>1</m:t>
+                    </m:r>
+                  </m:oMath>
+                </a14:m>
+                <a:r>
+                  <a:rPr lang="en-US" altLang="zh-CN" dirty="0"/>
+                  <a:t> to k do</a:t>
+                </a:r>
+              </a:p>
+              <a:p>
+                <a:pPr marL="274320" lvl="1" indent="0">
+                  <a:buNone/>
+                </a:pPr>
+                <a:r>
+                  <a:rPr lang="en-US" altLang="zh-CN" dirty="0"/>
+                  <a:t>    R[</a:t>
+                </a:r>
+                <a:r>
+                  <a:rPr lang="en-US" altLang="zh-CN" dirty="0" err="1"/>
+                  <a:t>i</a:t>
+                </a:r>
+                <a:r>
+                  <a:rPr lang="en-US" altLang="zh-CN" dirty="0"/>
+                  <a:t>] := S[</a:t>
+                </a:r>
+                <a:r>
+                  <a:rPr lang="en-US" altLang="zh-CN" dirty="0" err="1"/>
+                  <a:t>i</a:t>
+                </a:r>
+                <a:r>
+                  <a:rPr lang="en-US" altLang="zh-CN" dirty="0"/>
+                  <a:t>]</a:t>
+                </a:r>
+              </a:p>
+              <a:p>
+                <a:pPr marL="274320" lvl="1" indent="0">
+                  <a:buNone/>
+                </a:pPr>
+                <a:r>
+                  <a:rPr lang="en-US" altLang="zh-CN" dirty="0"/>
+                  <a:t>done;</a:t>
+                </a:r>
+              </a:p>
+              <a:p>
+                <a:pPr marL="274320" lvl="1" indent="0">
+                  <a:buNone/>
+                </a:pPr>
+                <a:r>
+                  <a:rPr lang="en-US" altLang="zh-CN" dirty="0" smtClean="0"/>
+                  <a:t>// </a:t>
+                </a:r>
+                <a:r>
+                  <a:rPr lang="en-US" altLang="zh-CN" dirty="0"/>
+                  <a:t>replace elements with gradually decreasing probability</a:t>
+                </a:r>
+              </a:p>
+              <a:p>
+                <a:pPr marL="274320" lvl="1" indent="0">
+                  <a:buNone/>
+                </a:pPr>
+                <a:r>
+                  <a:rPr lang="en-US" altLang="zh-CN" dirty="0"/>
+                  <a:t>for each </a:t>
+                </a:r>
+                <a:r>
+                  <a:rPr lang="en-US" altLang="zh-CN" dirty="0" err="1"/>
+                  <a:t>i</a:t>
+                </a:r>
+                <a:r>
+                  <a:rPr lang="en-US" altLang="zh-CN" dirty="0"/>
+                  <a:t> in k+</a:t>
+                </a:r>
+                <a14:m>
+                  <m:oMath xmlns:m="http://schemas.openxmlformats.org/officeDocument/2006/math">
+                    <m:r>
+                      <a:rPr lang="en-US" altLang="zh-CN" i="1" dirty="0" smtClean="0">
+                        <a:latin typeface="Cambria Math"/>
+                      </a:rPr>
+                      <m:t>1</m:t>
+                    </m:r>
+                  </m:oMath>
+                </a14:m>
+                <a:r>
+                  <a:rPr lang="en-US" altLang="zh-CN" dirty="0"/>
+                  <a:t> to length(S) do</a:t>
+                </a:r>
+              </a:p>
+              <a:p>
+                <a:pPr marL="274320" lvl="1" indent="0">
+                  <a:buNone/>
+                </a:pPr>
+                <a:r>
+                  <a:rPr lang="en-US" altLang="zh-CN" dirty="0"/>
+                  <a:t>    j := </a:t>
+                </a:r>
+                <a:r>
+                  <a:rPr lang="en-US" altLang="zh-CN" dirty="0" smtClean="0"/>
+                  <a:t>random(</a:t>
+                </a:r>
+                <a14:m>
+                  <m:oMath xmlns:m="http://schemas.openxmlformats.org/officeDocument/2006/math">
+                    <m:r>
+                      <a:rPr lang="en-US" altLang="zh-CN" i="1" dirty="0" smtClean="0">
+                        <a:latin typeface="Cambria Math"/>
+                      </a:rPr>
+                      <m:t>1</m:t>
+                    </m:r>
+                  </m:oMath>
+                </a14:m>
+                <a:r>
+                  <a:rPr lang="en-US" altLang="zh-CN" dirty="0" smtClean="0"/>
+                  <a:t>, </a:t>
+                </a:r>
+                <a:r>
+                  <a:rPr lang="en-US" altLang="zh-CN" dirty="0" err="1"/>
+                  <a:t>i</a:t>
+                </a:r>
+                <a:r>
+                  <a:rPr lang="en-US" altLang="zh-CN" dirty="0"/>
+                  <a:t>);   // important: inclusive range</a:t>
+                </a:r>
+              </a:p>
+              <a:p>
+                <a:pPr marL="274320" lvl="1" indent="0">
+                  <a:buNone/>
+                </a:pPr>
+                <a:r>
+                  <a:rPr lang="en-US" altLang="zh-CN" dirty="0"/>
+                  <a:t>    if j &lt;= k then</a:t>
+                </a:r>
+              </a:p>
+              <a:p>
+                <a:pPr marL="274320" lvl="1" indent="0">
+                  <a:buNone/>
+                </a:pPr>
+                <a:r>
+                  <a:rPr lang="en-US" altLang="zh-CN" dirty="0"/>
+                  <a:t>        R[j] := S[</a:t>
+                </a:r>
+                <a:r>
+                  <a:rPr lang="en-US" altLang="zh-CN" dirty="0" err="1"/>
+                  <a:t>i</a:t>
+                </a:r>
+                <a:r>
+                  <a:rPr lang="en-US" altLang="zh-CN" dirty="0"/>
+                  <a:t>]</a:t>
+                </a:r>
+              </a:p>
+              <a:p>
+                <a:pPr marL="274320" lvl="1" indent="0">
+                  <a:buNone/>
+                </a:pPr>
+                <a:r>
+                  <a:rPr lang="en-US" altLang="zh-CN" dirty="0"/>
+                  <a:t>    fi</a:t>
+                </a:r>
+              </a:p>
+              <a:p>
+                <a:pPr marL="274320" lvl="1" indent="0">
+                  <a:buNone/>
+                </a:pPr>
+                <a:r>
+                  <a:rPr lang="en-US" altLang="zh-CN" dirty="0" smtClean="0"/>
+                  <a:t>Done</a:t>
+                </a:r>
+              </a:p>
+              <a:p>
+                <a:r>
+                  <a:rPr lang="en-US" altLang="zh-CN" dirty="0" smtClean="0"/>
+                  <a:t>Drawbacks: can not adapted to  </a:t>
+                </a:r>
+                <a:r>
+                  <a:rPr lang="en-US" altLang="zh-CN" dirty="0"/>
+                  <a:t>fluctuating </a:t>
+                </a:r>
+                <a:r>
+                  <a:rPr lang="en-US" altLang="zh-CN" dirty="0" smtClean="0"/>
+                  <a:t>data rates</a:t>
+                </a:r>
+                <a:endParaRPr lang="zh-CN" altLang="en-US" dirty="0"/>
+              </a:p>
+            </p:txBody>
+          </p:sp>
+        </mc:Choice>
+        <mc:Fallback>
+          <p:sp>
+            <p:nvSpPr>
+              <p:cNvPr id="3" name="内容占位符 2"/>
+              <p:cNvSpPr>
+                <a:spLocks noGrp="1" noRot="1" noChangeAspect="1" noMove="1" noResize="1" noEditPoints="1" noAdjustHandles="1" noChangeArrowheads="1" noChangeShapeType="1" noTextEdit="1"/>
+              </p:cNvSpPr>
+              <p:nvPr>
+                <p:ph sz="quarter" idx="1"/>
+              </p:nvPr>
+            </p:nvSpPr>
+            <p:spPr>
+              <a:xfrm>
+                <a:off x="857956" y="1501423"/>
+                <a:ext cx="10646656" cy="4989688"/>
+              </a:xfrm>
+              <a:blipFill rotWithShape="1">
+                <a:blip r:embed="rId2"/>
+                <a:stretch>
+                  <a:fillRect l="-286" t="-2076"/>
+                </a:stretch>
+              </a:blipFill>
+            </p:spPr>
+            <p:txBody>
+              <a:bodyPr/>
+              <a:lstStyle/>
+              <a:p>
+                <a:r>
+                  <a:rPr lang="zh-CN" altLang="en-US">
+                    <a:noFill/>
+                  </a:rPr>
+                  <a:t> </a:t>
+                </a:r>
+              </a:p>
+            </p:txBody>
+          </p:sp>
+        </mc:Fallback>
+      </mc:AlternateContent>
     </p:spTree>
     <p:extLst>
       <p:ext uri="{BB962C8B-B14F-4D97-AF65-F5344CB8AC3E}">

--- a/slide/data stream mining.pptx
+++ b/slide/data stream mining.pptx
@@ -18,6 +18,7 @@
     <p:sldId id="327" r:id="rId12"/>
     <p:sldId id="328" r:id="rId13"/>
     <p:sldId id="331" r:id="rId14"/>
+    <p:sldId id="332" r:id="rId15"/>
   </p:sldIdLst>
   <p:sldSz cx="12192000" cy="6858000"/>
   <p:notesSz cx="6858000" cy="9144000"/>
@@ -118,7 +119,7 @@
   </p:defaultTextStyle>
   <p:extLst>
     <p:ext uri="{EFAFB233-063F-42B5-8137-9DF3F51BA10A}">
-      <p15:sldGuideLst xmlns="" xmlns:p15="http://schemas.microsoft.com/office/powerpoint/2012/main"/>
+      <p15:sldGuideLst xmlns:p15="http://schemas.microsoft.com/office/powerpoint/2012/main" xmlns=""/>
     </p:ext>
   </p:extLst>
 </p:presentation>
@@ -267,7 +268,7 @@
           <a:p>
             <a:fld id="{F77B2EB1-EA88-4503-95EA-93923E5BA59E}" type="datetimeFigureOut">
               <a:rPr lang="en-US" smtClean="0"/>
-              <a:t>3/25/2013</a:t>
+              <a:t>4/8/2013</a:t>
             </a:fld>
             <a:endParaRPr lang="en-US"/>
           </a:p>
@@ -626,7 +627,7 @@
           <a:p>
             <a:fld id="{F77B2EB1-EA88-4503-95EA-93923E5BA59E}" type="datetimeFigureOut">
               <a:rPr lang="en-US" smtClean="0"/>
-              <a:t>3/25/2013</a:t>
+              <a:t>4/8/2013</a:t>
             </a:fld>
             <a:endParaRPr lang="en-US"/>
           </a:p>
@@ -801,7 +802,7 @@
           <a:p>
             <a:fld id="{F77B2EB1-EA88-4503-95EA-93923E5BA59E}" type="datetimeFigureOut">
               <a:rPr lang="en-US" smtClean="0"/>
-              <a:t>3/25/2013</a:t>
+              <a:t>4/8/2013</a:t>
             </a:fld>
             <a:endParaRPr lang="en-US"/>
           </a:p>
@@ -1036,7 +1037,7 @@
           <a:p>
             <a:fld id="{F77B2EB1-EA88-4503-95EA-93923E5BA59E}" type="datetimeFigureOut">
               <a:rPr lang="en-US" smtClean="0"/>
-              <a:t>3/25/2013</a:t>
+              <a:t>4/8/2013</a:t>
             </a:fld>
             <a:endParaRPr lang="en-US"/>
           </a:p>
@@ -1305,7 +1306,7 @@
           <a:p>
             <a:fld id="{F77B2EB1-EA88-4503-95EA-93923E5BA59E}" type="datetimeFigureOut">
               <a:rPr lang="en-US" smtClean="0"/>
-              <a:t>3/25/2013</a:t>
+              <a:t>4/8/2013</a:t>
             </a:fld>
             <a:endParaRPr lang="en-US"/>
           </a:p>
@@ -1525,7 +1526,7 @@
           <a:p>
             <a:fld id="{F77B2EB1-EA88-4503-95EA-93923E5BA59E}" type="datetimeFigureOut">
               <a:rPr lang="en-US" smtClean="0"/>
-              <a:t>3/25/2013</a:t>
+              <a:t>4/8/2013</a:t>
             </a:fld>
             <a:endParaRPr lang="en-US"/>
           </a:p>
@@ -1877,7 +1878,7 @@
           <a:p>
             <a:fld id="{F77B2EB1-EA88-4503-95EA-93923E5BA59E}" type="datetimeFigureOut">
               <a:rPr lang="en-US" smtClean="0"/>
-              <a:t>3/25/2013</a:t>
+              <a:t>4/8/2013</a:t>
             </a:fld>
             <a:endParaRPr lang="en-US"/>
           </a:p>
@@ -2109,7 +2110,7 @@
           <a:p>
             <a:fld id="{F77B2EB1-EA88-4503-95EA-93923E5BA59E}" type="datetimeFigureOut">
               <a:rPr lang="en-US" smtClean="0"/>
-              <a:t>3/25/2013</a:t>
+              <a:t>4/8/2013</a:t>
             </a:fld>
             <a:endParaRPr lang="en-US"/>
           </a:p>
@@ -2249,7 +2250,7 @@
           <a:p>
             <a:fld id="{F77B2EB1-EA88-4503-95EA-93923E5BA59E}" type="datetimeFigureOut">
               <a:rPr lang="en-US" smtClean="0"/>
-              <a:t>3/25/2013</a:t>
+              <a:t>4/8/2013</a:t>
             </a:fld>
             <a:endParaRPr lang="en-US"/>
           </a:p>
@@ -2526,7 +2527,7 @@
           <a:p>
             <a:fld id="{F77B2EB1-EA88-4503-95EA-93923E5BA59E}" type="datetimeFigureOut">
               <a:rPr lang="en-US" smtClean="0"/>
-              <a:t>3/25/2013</a:t>
+              <a:t>4/8/2013</a:t>
             </a:fld>
             <a:endParaRPr lang="en-US"/>
           </a:p>
@@ -2933,7 +2934,7 @@
           <a:p>
             <a:fld id="{F77B2EB1-EA88-4503-95EA-93923E5BA59E}" type="datetimeFigureOut">
               <a:rPr lang="en-US" smtClean="0"/>
-              <a:t>3/25/2013</a:t>
+              <a:t>4/8/2013</a:t>
             </a:fld>
             <a:endParaRPr lang="en-US"/>
           </a:p>
@@ -3271,7 +3272,7 @@
           <a:p>
             <a:fld id="{F77B2EB1-EA88-4503-95EA-93923E5BA59E}" type="datetimeFigureOut">
               <a:rPr lang="en-US" smtClean="0"/>
-              <a:t>3/25/2013</a:t>
+              <a:t>4/8/2013</a:t>
             </a:fld>
             <a:endParaRPr lang="en-US"/>
           </a:p>
@@ -5965,6 +5966,163 @@
 </p:sld>
 </file>
 
+<file path=ppt/slides/slide14.xml><?xml version="1.0" encoding="utf-8"?>
+<p:sld xmlns:a="http://schemas.openxmlformats.org/drawingml/2006/main" xmlns:r="http://schemas.openxmlformats.org/officeDocument/2006/relationships" xmlns:p="http://schemas.openxmlformats.org/presentationml/2006/main">
+  <p:cSld>
+    <p:spTree>
+      <p:nvGrpSpPr>
+        <p:cNvPr id="1" name=""/>
+        <p:cNvGrpSpPr/>
+        <p:nvPr/>
+      </p:nvGrpSpPr>
+      <p:grpSpPr>
+        <a:xfrm>
+          <a:off x="0" y="0"/>
+          <a:ext cx="0" cy="0"/>
+          <a:chOff x="0" y="0"/>
+          <a:chExt cx="0" cy="0"/>
+        </a:xfrm>
+      </p:grpSpPr>
+      <p:sp>
+        <p:nvSpPr>
+          <p:cNvPr id="2" name="标题 1"/>
+          <p:cNvSpPr>
+            <a:spLocks noGrp="1"/>
+          </p:cNvSpPr>
+          <p:nvPr>
+            <p:ph type="title"/>
+          </p:nvPr>
+        </p:nvSpPr>
+        <p:spPr/>
+        <p:txBody>
+          <a:bodyPr/>
+          <a:lstStyle/>
+          <a:p>
+            <a:pPr algn="ctr"/>
+            <a:r>
+              <a:rPr lang="en-US" altLang="zh-CN" dirty="0" smtClean="0"/>
+              <a:t>References</a:t>
+            </a:r>
+            <a:endParaRPr lang="zh-CN" altLang="en-US" dirty="0"/>
+          </a:p>
+        </p:txBody>
+      </p:sp>
+      <p:sp>
+        <p:nvSpPr>
+          <p:cNvPr id="3" name="内容占位符 2"/>
+          <p:cNvSpPr>
+            <a:spLocks noGrp="1"/>
+          </p:cNvSpPr>
+          <p:nvPr>
+            <p:ph sz="quarter" idx="1"/>
+          </p:nvPr>
+        </p:nvSpPr>
+        <p:spPr/>
+        <p:txBody>
+          <a:bodyPr/>
+          <a:lstStyle/>
+          <a:p>
+            <a:pPr marL="0" indent="0">
+              <a:buNone/>
+            </a:pPr>
+            <a:r>
+              <a:rPr lang="en-US" altLang="zh-CN" dirty="0" smtClean="0"/>
+              <a:t>[1]</a:t>
+            </a:r>
+            <a:r>
+              <a:rPr lang="en-US" altLang="zh-CN" dirty="0"/>
+              <a:t> </a:t>
+            </a:r>
+            <a:r>
+              <a:rPr lang="en-US" altLang="zh-CN" dirty="0" err="1"/>
+              <a:t>Gaber</a:t>
+            </a:r>
+            <a:r>
+              <a:rPr lang="en-US" altLang="zh-CN" dirty="0"/>
+              <a:t> M </a:t>
+            </a:r>
+            <a:r>
+              <a:rPr lang="en-US" altLang="zh-CN" dirty="0" err="1"/>
+              <a:t>M</a:t>
+            </a:r>
+            <a:r>
+              <a:rPr lang="en-US" altLang="zh-CN" dirty="0"/>
+              <a:t>, </a:t>
+            </a:r>
+            <a:r>
+              <a:rPr lang="en-US" altLang="zh-CN" dirty="0" err="1"/>
+              <a:t>Zaslavsky</a:t>
+            </a:r>
+            <a:r>
+              <a:rPr lang="en-US" altLang="zh-CN" dirty="0"/>
+              <a:t> A, </a:t>
+            </a:r>
+            <a:r>
+              <a:rPr lang="en-US" altLang="zh-CN" dirty="0" err="1"/>
+              <a:t>Krishnaswamy</a:t>
+            </a:r>
+            <a:r>
+              <a:rPr lang="en-US" altLang="zh-CN" dirty="0"/>
+              <a:t> S. Mining data streams: a review[J]. ACM </a:t>
+            </a:r>
+            <a:r>
+              <a:rPr lang="en-US" altLang="zh-CN" dirty="0" err="1"/>
+              <a:t>Sigmod</a:t>
+            </a:r>
+            <a:r>
+              <a:rPr lang="en-US" altLang="zh-CN" dirty="0"/>
+              <a:t> Record, 2005, 34(2): 18-26</a:t>
+            </a:r>
+            <a:r>
+              <a:rPr lang="en-US" altLang="zh-CN" dirty="0" smtClean="0"/>
+              <a:t>.</a:t>
+            </a:r>
+          </a:p>
+          <a:p>
+            <a:pPr marL="0" indent="0">
+              <a:buNone/>
+            </a:pPr>
+            <a:r>
+              <a:rPr lang="en-US" altLang="zh-CN" dirty="0" smtClean="0"/>
+              <a:t>[2]</a:t>
+            </a:r>
+            <a:r>
+              <a:rPr lang="en-US" altLang="zh-CN" dirty="0"/>
+              <a:t> Babcock B, </a:t>
+            </a:r>
+            <a:r>
+              <a:rPr lang="en-US" altLang="zh-CN" dirty="0" err="1"/>
+              <a:t>Datar</a:t>
+            </a:r>
+            <a:r>
+              <a:rPr lang="en-US" altLang="zh-CN" dirty="0"/>
+              <a:t> M, </a:t>
+            </a:r>
+            <a:r>
+              <a:rPr lang="en-US" altLang="zh-CN" dirty="0" err="1"/>
+              <a:t>Motwani</a:t>
+            </a:r>
+            <a:r>
+              <a:rPr lang="en-US" altLang="zh-CN" dirty="0"/>
+              <a:t> R. Load shedding for aggregation queries over data streams[C]//Data Engineering, 2004. Proceedings. 20th International Conference on. IEEE, 2004: 350-361.</a:t>
+            </a:r>
+            <a:endParaRPr lang="zh-CN" altLang="en-US" dirty="0"/>
+          </a:p>
+        </p:txBody>
+      </p:sp>
+    </p:spTree>
+    <p:extLst>
+      <p:ext uri="{BB962C8B-B14F-4D97-AF65-F5344CB8AC3E}">
+        <p14:creationId xmlns:p14="http://schemas.microsoft.com/office/powerpoint/2010/main" val="3170855494"/>
+      </p:ext>
+    </p:extLst>
+  </p:cSld>
+  <p:clrMapOvr>
+    <a:masterClrMapping/>
+  </p:clrMapOvr>
+</p:sld>
+</file>
+
 <file path=ppt/slides/slide2.xml><?xml version="1.0" encoding="utf-8"?>
 <p:sld xmlns:a="http://schemas.openxmlformats.org/drawingml/2006/main" xmlns:r="http://schemas.openxmlformats.org/officeDocument/2006/relationships" xmlns:p="http://schemas.openxmlformats.org/presentationml/2006/main">
   <p:cSld>
@@ -6130,7 +6288,11 @@
             <a:pPr algn="ctr"/>
             <a:r>
               <a:rPr lang="en-US" altLang="zh-CN" dirty="0"/>
-              <a:t>Theoretical Foundations</a:t>
+              <a:t>Theoretical </a:t>
+            </a:r>
+            <a:r>
+              <a:rPr lang="en-US" altLang="zh-CN" dirty="0" smtClean="0"/>
+              <a:t>Foundations[1]</a:t>
             </a:r>
             <a:endParaRPr lang="zh-CN" altLang="en-US" dirty="0"/>
           </a:p>
@@ -6299,8 +6461,8 @@
           </a:p>
         </p:txBody>
       </p:sp>
-      <mc:AlternateContent xmlns:mc="http://schemas.openxmlformats.org/markup-compatibility/2006">
-        <mc:Choice xmlns:a14="http://schemas.microsoft.com/office/drawing/2010/main" Requires="a14">
+      <mc:AlternateContent xmlns:mc="http://schemas.openxmlformats.org/markup-compatibility/2006" xmlns:a14="http://schemas.microsoft.com/office/drawing/2010/main">
+        <mc:Choice Requires="a14">
           <p:sp>
             <p:nvSpPr>
               <p:cNvPr id="3" name="内容占位符 2"/>
@@ -6573,7 +6735,7 @@
             </p:txBody>
           </p:sp>
         </mc:Choice>
-        <mc:Fallback>
+        <mc:Fallback xmlns="">
           <p:sp>
             <p:nvSpPr>
               <p:cNvPr id="3" name="内容占位符 2"/>
@@ -6666,7 +6828,11 @@
             <a:pPr algn="ctr"/>
             <a:r>
               <a:rPr lang="en-US" altLang="zh-CN" dirty="0" smtClean="0"/>
-              <a:t>Load Shedding</a:t>
+              <a:t>Load </a:t>
+            </a:r>
+            <a:r>
+              <a:rPr lang="en-US" altLang="zh-CN" dirty="0" smtClean="0"/>
+              <a:t>Shedding[2]</a:t>
             </a:r>
             <a:endParaRPr lang="zh-CN" altLang="en-US" dirty="0"/>
           </a:p>

--- a/slide/data stream mining.pptx
+++ b/slide/data stream mining.pptx
@@ -19,6 +19,8 @@
     <p:sldId id="328" r:id="rId13"/>
     <p:sldId id="331" r:id="rId14"/>
     <p:sldId id="332" r:id="rId15"/>
+    <p:sldId id="333" r:id="rId16"/>
+    <p:sldId id="334" r:id="rId17"/>
   </p:sldIdLst>
   <p:sldSz cx="12192000" cy="6858000"/>
   <p:notesSz cx="6858000" cy="9144000"/>
@@ -268,7 +270,7 @@
           <a:p>
             <a:fld id="{F77B2EB1-EA88-4503-95EA-93923E5BA59E}" type="datetimeFigureOut">
               <a:rPr lang="en-US" smtClean="0"/>
-              <a:t>4/8/2013</a:t>
+              <a:t>4/9/2013</a:t>
             </a:fld>
             <a:endParaRPr lang="en-US"/>
           </a:p>
@@ -627,7 +629,7 @@
           <a:p>
             <a:fld id="{F77B2EB1-EA88-4503-95EA-93923E5BA59E}" type="datetimeFigureOut">
               <a:rPr lang="en-US" smtClean="0"/>
-              <a:t>4/8/2013</a:t>
+              <a:t>4/9/2013</a:t>
             </a:fld>
             <a:endParaRPr lang="en-US"/>
           </a:p>
@@ -802,7 +804,7 @@
           <a:p>
             <a:fld id="{F77B2EB1-EA88-4503-95EA-93923E5BA59E}" type="datetimeFigureOut">
               <a:rPr lang="en-US" smtClean="0"/>
-              <a:t>4/8/2013</a:t>
+              <a:t>4/9/2013</a:t>
             </a:fld>
             <a:endParaRPr lang="en-US"/>
           </a:p>
@@ -1037,7 +1039,7 @@
           <a:p>
             <a:fld id="{F77B2EB1-EA88-4503-95EA-93923E5BA59E}" type="datetimeFigureOut">
               <a:rPr lang="en-US" smtClean="0"/>
-              <a:t>4/8/2013</a:t>
+              <a:t>4/9/2013</a:t>
             </a:fld>
             <a:endParaRPr lang="en-US"/>
           </a:p>
@@ -1306,7 +1308,7 @@
           <a:p>
             <a:fld id="{F77B2EB1-EA88-4503-95EA-93923E5BA59E}" type="datetimeFigureOut">
               <a:rPr lang="en-US" smtClean="0"/>
-              <a:t>4/8/2013</a:t>
+              <a:t>4/9/2013</a:t>
             </a:fld>
             <a:endParaRPr lang="en-US"/>
           </a:p>
@@ -1526,7 +1528,7 @@
           <a:p>
             <a:fld id="{F77B2EB1-EA88-4503-95EA-93923E5BA59E}" type="datetimeFigureOut">
               <a:rPr lang="en-US" smtClean="0"/>
-              <a:t>4/8/2013</a:t>
+              <a:t>4/9/2013</a:t>
             </a:fld>
             <a:endParaRPr lang="en-US"/>
           </a:p>
@@ -1878,7 +1880,7 @@
           <a:p>
             <a:fld id="{F77B2EB1-EA88-4503-95EA-93923E5BA59E}" type="datetimeFigureOut">
               <a:rPr lang="en-US" smtClean="0"/>
-              <a:t>4/8/2013</a:t>
+              <a:t>4/9/2013</a:t>
             </a:fld>
             <a:endParaRPr lang="en-US"/>
           </a:p>
@@ -2110,7 +2112,7 @@
           <a:p>
             <a:fld id="{F77B2EB1-EA88-4503-95EA-93923E5BA59E}" type="datetimeFigureOut">
               <a:rPr lang="en-US" smtClean="0"/>
-              <a:t>4/8/2013</a:t>
+              <a:t>4/9/2013</a:t>
             </a:fld>
             <a:endParaRPr lang="en-US"/>
           </a:p>
@@ -2250,7 +2252,7 @@
           <a:p>
             <a:fld id="{F77B2EB1-EA88-4503-95EA-93923E5BA59E}" type="datetimeFigureOut">
               <a:rPr lang="en-US" smtClean="0"/>
-              <a:t>4/8/2013</a:t>
+              <a:t>4/9/2013</a:t>
             </a:fld>
             <a:endParaRPr lang="en-US"/>
           </a:p>
@@ -2527,7 +2529,7 @@
           <a:p>
             <a:fld id="{F77B2EB1-EA88-4503-95EA-93923E5BA59E}" type="datetimeFigureOut">
               <a:rPr lang="en-US" smtClean="0"/>
-              <a:t>4/8/2013</a:t>
+              <a:t>4/9/2013</a:t>
             </a:fld>
             <a:endParaRPr lang="en-US"/>
           </a:p>
@@ -2934,7 +2936,7 @@
           <a:p>
             <a:fld id="{F77B2EB1-EA88-4503-95EA-93923E5BA59E}" type="datetimeFigureOut">
               <a:rPr lang="en-US" smtClean="0"/>
-              <a:t>4/8/2013</a:t>
+              <a:t>4/9/2013</a:t>
             </a:fld>
             <a:endParaRPr lang="en-US"/>
           </a:p>
@@ -3272,7 +3274,7 @@
           <a:p>
             <a:fld id="{F77B2EB1-EA88-4503-95EA-93923E5BA59E}" type="datetimeFigureOut">
               <a:rPr lang="en-US" smtClean="0"/>
-              <a:t>4/8/2013</a:t>
+              <a:t>4/9/2013</a:t>
             </a:fld>
             <a:endParaRPr lang="en-US"/>
           </a:p>
@@ -4505,7 +4507,7 @@
             <a:pPr algn="ctr"/>
             <a:r>
               <a:rPr lang="en-US" altLang="zh-CN" dirty="0" smtClean="0"/>
-              <a:t>Data Stream Clustering</a:t>
+              <a:t>Data Stream Clustering[4]</a:t>
             </a:r>
             <a:endParaRPr lang="zh-CN" altLang="en-US" dirty="0"/>
           </a:p>
@@ -4550,7 +4552,7 @@
                 </a:r>
                 <a:r>
                   <a:rPr lang="en-US" altLang="zh-CN" dirty="0" smtClean="0"/>
-                  <a:t>al. Approximate algorithms for k-median problems</a:t>
+                  <a:t>al. Approximate algorithms for k-median problems[3]</a:t>
                 </a:r>
               </a:p>
               <a:p>
@@ -4679,6 +4681,10 @@
                   <a:rPr lang="en-US" altLang="zh-CN" i="1" dirty="0" smtClean="0"/>
                   <a:t>VFML</a:t>
                 </a:r>
+                <a:r>
+                  <a:rPr lang="en-US" altLang="zh-CN" dirty="0" smtClean="0"/>
+                  <a:t>[6]</a:t>
+                </a:r>
               </a:p>
               <a:p>
                 <a:pPr lvl="1"/>
@@ -4694,22 +4700,13 @@
                 </a:r>
               </a:p>
               <a:p>
-                <a:pPr lvl="1"/>
-                <a:r>
-                  <a:rPr lang="en-US" altLang="zh-CN" dirty="0" smtClean="0">
-                    <a:sym typeface="Wingdings" pitchFamily="2" charset="2"/>
-                  </a:rPr>
-                  <a:t>Applied to decision tree  VFDT</a:t>
+                <a:r>
+                  <a:rPr lang="en-US" altLang="zh-CN" dirty="0" smtClean="0"/>
+                  <a:t>Ordonez et al. Binary data streams clustering[5]</a:t>
                 </a:r>
               </a:p>
               <a:p>
                 <a:r>
-                  <a:rPr lang="en-US" altLang="zh-CN" dirty="0" smtClean="0"/>
-                  <a:t>Ordonez et al. Binary data streams clustering</a:t>
-                </a:r>
-              </a:p>
-              <a:p>
-                <a:r>
                   <a:rPr lang="en-US" altLang="zh-CN" dirty="0" err="1"/>
                   <a:t>O’Challaghan</a:t>
                 </a:r>
@@ -4719,7 +4716,7 @@
                 </a:r>
                 <a:r>
                   <a:rPr lang="en-US" altLang="zh-CN" dirty="0" smtClean="0"/>
-                  <a:t>al. High quality data stream clustering</a:t>
+                  <a:t>al. High quality data stream clustering[7]</a:t>
                 </a:r>
               </a:p>
             </p:txBody>
@@ -4733,14 +4730,14 @@
                 <a:spLocks noGrp="1" noRot="1" noChangeAspect="1" noMove="1" noResize="1" noEditPoints="1" noAdjustHandles="1" noChangeArrowheads="1" noChangeShapeType="1" noTextEdit="1"/>
               </p:cNvSpPr>
               <p:nvPr>
-                <p:ph idx="1"/>
+                <p:ph sz="quarter" idx="1"/>
               </p:nvPr>
             </p:nvSpPr>
             <p:spPr>
               <a:blipFill rotWithShape="1">
                 <a:blip r:embed="rId2"/>
                 <a:stretch>
-                  <a:fillRect l="-479" t="-1613"/>
+                  <a:fillRect l="-444" t="-1111"/>
                 </a:stretch>
               </a:blipFill>
             </p:spPr>
@@ -4814,7 +4811,7 @@
             <a:pPr algn="ctr"/>
             <a:r>
               <a:rPr lang="en-US" altLang="zh-CN" dirty="0" smtClean="0"/>
-              <a:t>Data Stream Classification</a:t>
+              <a:t>Data Stream Classification[8]</a:t>
             </a:r>
             <a:endParaRPr lang="zh-CN" altLang="en-US" dirty="0"/>
           </a:p>
@@ -5022,7 +5019,7 @@
             </p:nvSpPr>
             <p:spPr>
               <a:xfrm>
-                <a:off x="2589212" y="1749778"/>
+                <a:off x="647523" y="1467555"/>
                 <a:ext cx="8915400" cy="4161444"/>
               </a:xfrm>
             </p:spPr>
@@ -5916,18 +5913,18 @@
                 <a:spLocks noGrp="1" noRot="1" noChangeAspect="1" noMove="1" noResize="1" noEditPoints="1" noAdjustHandles="1" noChangeArrowheads="1" noChangeShapeType="1" noTextEdit="1"/>
               </p:cNvSpPr>
               <p:nvPr>
-                <p:ph idx="1"/>
+                <p:ph sz="quarter" idx="1"/>
               </p:nvPr>
             </p:nvSpPr>
             <p:spPr>
               <a:xfrm>
-                <a:off x="2589212" y="1749778"/>
+                <a:off x="647523" y="1467555"/>
                 <a:ext cx="8915400" cy="4161444"/>
               </a:xfrm>
               <a:blipFill rotWithShape="1">
                 <a:blip r:embed="rId2"/>
                 <a:stretch>
-                  <a:fillRect l="-616" t="-146"/>
+                  <a:fillRect l="-1162" b="-440"/>
                 </a:stretch>
               </a:blipFill>
             </p:spPr>
@@ -6019,7 +6016,9 @@
         </p:nvSpPr>
         <p:spPr/>
         <p:txBody>
-          <a:bodyPr/>
+          <a:bodyPr>
+            <a:normAutofit fontScale="92500" lnSpcReduction="10000"/>
+          </a:bodyPr>
           <a:lstStyle/>
           <a:p>
             <a:pPr marL="0" indent="0">
@@ -6104,7 +6103,155 @@
             </a:r>
             <a:r>
               <a:rPr lang="en-US" altLang="zh-CN" dirty="0"/>
-              <a:t> R. Load shedding for aggregation queries over data streams[C]//Data Engineering, 2004. Proceedings. 20th International Conference on. IEEE, 2004: 350-361.</a:t>
+              <a:t> R. Load shedding for aggregation queries over data streams[C]//Data Engineering, 2004. Proceedings. 20th International Conference on. IEEE, 2004: 350-361</a:t>
+            </a:r>
+            <a:r>
+              <a:rPr lang="en-US" altLang="zh-CN" dirty="0" smtClean="0"/>
+              <a:t>.</a:t>
+            </a:r>
+          </a:p>
+          <a:p>
+            <a:pPr marL="0" indent="0">
+              <a:buNone/>
+            </a:pPr>
+            <a:r>
+              <a:rPr lang="en-US" altLang="zh-CN" dirty="0" smtClean="0"/>
+              <a:t>[3]</a:t>
+            </a:r>
+            <a:r>
+              <a:rPr lang="en-US" altLang="zh-CN" dirty="0"/>
+              <a:t> </a:t>
+            </a:r>
+            <a:r>
+              <a:rPr lang="en-US" altLang="zh-CN" dirty="0" err="1"/>
+              <a:t>Guha</a:t>
+            </a:r>
+            <a:r>
+              <a:rPr lang="en-US" altLang="zh-CN" dirty="0"/>
+              <a:t> S, Mishra N, </a:t>
+            </a:r>
+            <a:r>
+              <a:rPr lang="en-US" altLang="zh-CN" dirty="0" err="1"/>
+              <a:t>Motwani</a:t>
+            </a:r>
+            <a:r>
+              <a:rPr lang="en-US" altLang="zh-CN" dirty="0"/>
+              <a:t> R, et al. Clustering data streams[C]//Foundations of computer science, 2000. proceedings. 41st annual symposium on. IEEE, 2000: 359-366</a:t>
+            </a:r>
+            <a:r>
+              <a:rPr lang="en-US" altLang="zh-CN" dirty="0" smtClean="0"/>
+              <a:t>.</a:t>
+            </a:r>
+          </a:p>
+          <a:p>
+            <a:pPr marL="0" indent="0">
+              <a:buNone/>
+            </a:pPr>
+            <a:r>
+              <a:rPr lang="en-US" altLang="zh-CN" dirty="0" smtClean="0"/>
+              <a:t>[4]</a:t>
+            </a:r>
+            <a:r>
+              <a:rPr lang="en-US" altLang="zh-CN" dirty="0"/>
+              <a:t> </a:t>
+            </a:r>
+            <a:r>
+              <a:rPr lang="en-US" altLang="zh-CN" dirty="0" err="1"/>
+              <a:t>Gaber</a:t>
+            </a:r>
+            <a:r>
+              <a:rPr lang="en-US" altLang="zh-CN" dirty="0"/>
+              <a:t> M </a:t>
+            </a:r>
+            <a:r>
+              <a:rPr lang="en-US" altLang="zh-CN" dirty="0" err="1"/>
+              <a:t>M</a:t>
+            </a:r>
+            <a:r>
+              <a:rPr lang="en-US" altLang="zh-CN" dirty="0"/>
+              <a:t>, </a:t>
+            </a:r>
+            <a:r>
+              <a:rPr lang="en-US" altLang="zh-CN" dirty="0" err="1"/>
+              <a:t>Zaslavsky</a:t>
+            </a:r>
+            <a:r>
+              <a:rPr lang="en-US" altLang="zh-CN" dirty="0"/>
+              <a:t> A, </a:t>
+            </a:r>
+            <a:r>
+              <a:rPr lang="en-US" altLang="zh-CN" dirty="0" err="1"/>
+              <a:t>Krishnaswamy</a:t>
+            </a:r>
+            <a:r>
+              <a:rPr lang="en-US" altLang="zh-CN" dirty="0"/>
+              <a:t> S. Mining data streams: a review[J]. ACM </a:t>
+            </a:r>
+            <a:r>
+              <a:rPr lang="en-US" altLang="zh-CN" dirty="0" err="1"/>
+              <a:t>Sigmod</a:t>
+            </a:r>
+            <a:r>
+              <a:rPr lang="en-US" altLang="zh-CN" dirty="0"/>
+              <a:t> Record, 2005, 34(2): 18-26</a:t>
+            </a:r>
+            <a:r>
+              <a:rPr lang="en-US" altLang="zh-CN" dirty="0" smtClean="0"/>
+              <a:t>.</a:t>
+            </a:r>
+          </a:p>
+          <a:p>
+            <a:pPr marL="0" indent="0">
+              <a:buNone/>
+            </a:pPr>
+            <a:r>
+              <a:rPr lang="en-US" altLang="zh-CN" dirty="0" smtClean="0"/>
+              <a:t>[5]</a:t>
+            </a:r>
+            <a:r>
+              <a:rPr lang="en-US" altLang="zh-CN" dirty="0"/>
+              <a:t> C. Ordonez. Clustering Binary Data Streams </a:t>
+            </a:r>
+            <a:r>
+              <a:rPr lang="en-US" altLang="zh-CN" dirty="0" smtClean="0"/>
+              <a:t>with K-means </a:t>
+            </a:r>
+            <a:r>
+              <a:rPr lang="en-US" altLang="zh-CN" dirty="0"/>
+              <a:t>ACM DMKD </a:t>
+            </a:r>
+            <a:r>
+              <a:rPr lang="en-US" altLang="zh-CN" dirty="0" smtClean="0"/>
+              <a:t>2003</a:t>
+            </a:r>
+          </a:p>
+          <a:p>
+            <a:pPr marL="0" indent="0">
+              <a:buNone/>
+            </a:pPr>
+            <a:r>
+              <a:rPr lang="en-US" altLang="zh-CN" dirty="0" smtClean="0"/>
+              <a:t>[6]</a:t>
+            </a:r>
+            <a:r>
+              <a:rPr lang="en-US" altLang="zh-CN" dirty="0"/>
+              <a:t> </a:t>
+            </a:r>
+            <a:r>
+              <a:rPr lang="en-US" altLang="zh-CN" dirty="0" err="1"/>
+              <a:t>Domingos</a:t>
+            </a:r>
+            <a:r>
+              <a:rPr lang="en-US" altLang="zh-CN" dirty="0"/>
+              <a:t> P, </a:t>
+            </a:r>
+            <a:r>
+              <a:rPr lang="en-US" altLang="zh-CN" dirty="0" err="1"/>
+              <a:t>Hulten</a:t>
+            </a:r>
+            <a:r>
+              <a:rPr lang="en-US" altLang="zh-CN" dirty="0"/>
+              <a:t> G. A general method for scaling up machine learning algorithms and its application to clustering[C]//MACHINE LEARNING-INTERNATIONAL WORKSHOP THEN CONFERENCE-. 2001: 106-113.</a:t>
             </a:r>
             <a:endParaRPr lang="zh-CN" altLang="en-US" dirty="0"/>
           </a:p>
@@ -6120,6 +6267,286 @@
   <p:clrMapOvr>
     <a:masterClrMapping/>
   </p:clrMapOvr>
+</p:sld>
+</file>
+
+<file path=ppt/slides/slide15.xml><?xml version="1.0" encoding="utf-8"?>
+<p:sld xmlns:a="http://schemas.openxmlformats.org/drawingml/2006/main" xmlns:r="http://schemas.openxmlformats.org/officeDocument/2006/relationships" xmlns:p="http://schemas.openxmlformats.org/presentationml/2006/main">
+  <p:cSld>
+    <p:spTree>
+      <p:nvGrpSpPr>
+        <p:cNvPr id="1" name=""/>
+        <p:cNvGrpSpPr/>
+        <p:nvPr/>
+      </p:nvGrpSpPr>
+      <p:grpSpPr>
+        <a:xfrm>
+          <a:off x="0" y="0"/>
+          <a:ext cx="0" cy="0"/>
+          <a:chOff x="0" y="0"/>
+          <a:chExt cx="0" cy="0"/>
+        </a:xfrm>
+      </p:grpSpPr>
+      <p:sp>
+        <p:nvSpPr>
+          <p:cNvPr id="2" name="标题 1"/>
+          <p:cNvSpPr>
+            <a:spLocks noGrp="1"/>
+          </p:cNvSpPr>
+          <p:nvPr>
+            <p:ph type="title"/>
+          </p:nvPr>
+        </p:nvSpPr>
+        <p:spPr/>
+        <p:txBody>
+          <a:bodyPr/>
+          <a:lstStyle/>
+          <a:p>
+            <a:pPr algn="ctr"/>
+            <a:r>
+              <a:rPr lang="en-US" altLang="zh-CN" dirty="0" smtClean="0"/>
+              <a:t>References</a:t>
+            </a:r>
+            <a:endParaRPr lang="zh-CN" altLang="en-US" dirty="0"/>
+          </a:p>
+        </p:txBody>
+      </p:sp>
+      <p:sp>
+        <p:nvSpPr>
+          <p:cNvPr id="3" name="内容占位符 2"/>
+          <p:cNvSpPr>
+            <a:spLocks noGrp="1"/>
+          </p:cNvSpPr>
+          <p:nvPr>
+            <p:ph sz="quarter" idx="1"/>
+          </p:nvPr>
+        </p:nvSpPr>
+        <p:spPr/>
+        <p:txBody>
+          <a:bodyPr>
+            <a:normAutofit/>
+          </a:bodyPr>
+          <a:lstStyle/>
+          <a:p>
+            <a:pPr marL="0" indent="0">
+              <a:buNone/>
+            </a:pPr>
+            <a:r>
+              <a:rPr lang="en-US" altLang="zh-CN" dirty="0" smtClean="0"/>
+              <a:t>[7]</a:t>
+            </a:r>
+            <a:r>
+              <a:rPr lang="en-US" altLang="zh-CN" dirty="0"/>
+              <a:t> </a:t>
+            </a:r>
+            <a:r>
+              <a:rPr lang="en-US" altLang="zh-CN" dirty="0" err="1"/>
+              <a:t>O'callaghan</a:t>
+            </a:r>
+            <a:r>
+              <a:rPr lang="en-US" altLang="zh-CN" dirty="0"/>
+              <a:t> L, Mishra N, </a:t>
+            </a:r>
+            <a:r>
+              <a:rPr lang="en-US" altLang="zh-CN" dirty="0" err="1"/>
+              <a:t>Meyerson</a:t>
+            </a:r>
+            <a:r>
+              <a:rPr lang="en-US" altLang="zh-CN" dirty="0"/>
+              <a:t> A, et al. Streaming-data algorithms for high-quality clustering[C]//Data Engineering, 2002. Proceedings. 18th International Conference on. IEEE, 2002: 685-694</a:t>
+            </a:r>
+            <a:r>
+              <a:rPr lang="en-US" altLang="zh-CN" dirty="0" smtClean="0"/>
+              <a:t>.</a:t>
+            </a:r>
+          </a:p>
+          <a:p>
+            <a:pPr marL="0" indent="0">
+              <a:buNone/>
+            </a:pPr>
+            <a:r>
+              <a:rPr lang="en-US" altLang="zh-CN" dirty="0" smtClean="0"/>
+              <a:t>[8]</a:t>
+            </a:r>
+            <a:r>
+              <a:rPr lang="en-US" altLang="zh-CN" dirty="0"/>
+              <a:t> </a:t>
+            </a:r>
+            <a:r>
+              <a:rPr lang="en-US" altLang="zh-CN" dirty="0" err="1"/>
+              <a:t>Aggarwal</a:t>
+            </a:r>
+            <a:r>
+              <a:rPr lang="en-US" altLang="zh-CN" dirty="0"/>
+              <a:t> C </a:t>
+            </a:r>
+            <a:r>
+              <a:rPr lang="en-US" altLang="zh-CN" dirty="0" err="1"/>
+              <a:t>C</a:t>
+            </a:r>
+            <a:r>
+              <a:rPr lang="en-US" altLang="zh-CN" dirty="0"/>
+              <a:t>. Data streams: models and algorithms[M]. Springer Science+ Business Media, 2007.</a:t>
+            </a:r>
+            <a:endParaRPr lang="zh-CN" altLang="en-US" dirty="0"/>
+          </a:p>
+        </p:txBody>
+      </p:sp>
+    </p:spTree>
+    <p:extLst>
+      <p:ext uri="{BB962C8B-B14F-4D97-AF65-F5344CB8AC3E}">
+        <p14:creationId xmlns:p14="http://schemas.microsoft.com/office/powerpoint/2010/main" val="576764448"/>
+      </p:ext>
+    </p:extLst>
+  </p:cSld>
+  <p:clrMapOvr>
+    <a:masterClrMapping/>
+  </p:clrMapOvr>
+</p:sld>
+</file>
+
+<file path=ppt/slides/slide16.xml><?xml version="1.0" encoding="utf-8"?>
+<p:sld xmlns:a="http://schemas.openxmlformats.org/drawingml/2006/main" xmlns:r="http://schemas.openxmlformats.org/officeDocument/2006/relationships" xmlns:p="http://schemas.openxmlformats.org/presentationml/2006/main">
+  <p:cSld>
+    <p:spTree>
+      <p:nvGrpSpPr>
+        <p:cNvPr id="1" name=""/>
+        <p:cNvGrpSpPr/>
+        <p:nvPr/>
+      </p:nvGrpSpPr>
+      <p:grpSpPr>
+        <a:xfrm>
+          <a:off x="0" y="0"/>
+          <a:ext cx="0" cy="0"/>
+          <a:chOff x="0" y="0"/>
+          <a:chExt cx="0" cy="0"/>
+        </a:xfrm>
+      </p:grpSpPr>
+      <p:sp>
+        <p:nvSpPr>
+          <p:cNvPr id="2" name="标题 1"/>
+          <p:cNvSpPr>
+            <a:spLocks noGrp="1"/>
+          </p:cNvSpPr>
+          <p:nvPr>
+            <p:ph type="title"/>
+          </p:nvPr>
+        </p:nvSpPr>
+        <p:spPr/>
+        <p:txBody>
+          <a:bodyPr/>
+          <a:lstStyle/>
+          <a:p>
+            <a:endParaRPr lang="zh-CN" altLang="en-US"/>
+          </a:p>
+        </p:txBody>
+      </p:sp>
+      <p:sp>
+        <p:nvSpPr>
+          <p:cNvPr id="3" name="内容占位符 2"/>
+          <p:cNvSpPr>
+            <a:spLocks noGrp="1"/>
+          </p:cNvSpPr>
+          <p:nvPr>
+            <p:ph sz="quarter" idx="1"/>
+          </p:nvPr>
+        </p:nvSpPr>
+        <p:spPr/>
+        <p:txBody>
+          <a:bodyPr/>
+          <a:lstStyle/>
+          <a:p>
+            <a:r>
+              <a:rPr lang="en-US" altLang="zh-CN" dirty="0"/>
+              <a:t>A</a:t>
+            </a:r>
+            <a:r>
+              <a:rPr lang="en-US" altLang="zh-CN" dirty="0" smtClean="0"/>
+              <a:t>bove </a:t>
+            </a:r>
+            <a:r>
+              <a:rPr lang="en-US" altLang="zh-CN" dirty="0"/>
+              <a:t>materials and slides: </a:t>
+            </a:r>
+            <a:r>
+              <a:rPr lang="en-US" altLang="zh-CN" dirty="0">
+                <a:hlinkClick r:id="rId2"/>
+              </a:rPr>
+              <a:t>https://</a:t>
+            </a:r>
+            <a:r>
+              <a:rPr lang="en-US" altLang="zh-CN" dirty="0" smtClean="0">
+                <a:hlinkClick r:id="rId2"/>
+              </a:rPr>
+              <a:t>github.com/zixiaojindao/time-series-survey.git</a:t>
+            </a:r>
+            <a:endParaRPr lang="en-US" altLang="zh-CN" dirty="0" smtClean="0"/>
+          </a:p>
+          <a:p>
+            <a:pPr marL="0" indent="0">
+              <a:buNone/>
+            </a:pPr>
+            <a:endParaRPr lang="en-US" altLang="zh-CN" dirty="0" smtClean="0"/>
+          </a:p>
+          <a:p>
+            <a:pPr marL="0" indent="0">
+              <a:buNone/>
+            </a:pPr>
+            <a:r>
+              <a:rPr lang="en-US" altLang="zh-CN" sz="3200" smtClean="0"/>
+              <a:t>					Thanks</a:t>
+            </a:r>
+            <a:r>
+              <a:rPr lang="en-US" altLang="zh-CN" sz="3200" dirty="0" smtClean="0"/>
+              <a:t>!</a:t>
+            </a:r>
+            <a:endParaRPr lang="zh-CN" altLang="en-US" sz="3200" dirty="0"/>
+          </a:p>
+          <a:p>
+            <a:endParaRPr lang="zh-CN" altLang="en-US" dirty="0"/>
+          </a:p>
+        </p:txBody>
+      </p:sp>
+      <p:sp>
+        <p:nvSpPr>
+          <p:cNvPr id="4" name="灯片编号占位符 3"/>
+          <p:cNvSpPr>
+            <a:spLocks noGrp="1"/>
+          </p:cNvSpPr>
+          <p:nvPr>
+            <p:ph type="sldNum" sz="quarter" idx="12"/>
+          </p:nvPr>
+        </p:nvSpPr>
+        <p:spPr/>
+        <p:txBody>
+          <a:bodyPr/>
+          <a:lstStyle/>
+          <a:p>
+            <a:fld id="{749988E2-50EA-4610-8EAB-6802264AE88B}" type="slidenum">
+              <a:rPr lang="en-US" smtClean="0"/>
+              <a:t>16</a:t>
+            </a:fld>
+            <a:endParaRPr lang="en-US"/>
+          </a:p>
+        </p:txBody>
+      </p:sp>
+    </p:spTree>
+    <p:extLst>
+      <p:ext uri="{BB962C8B-B14F-4D97-AF65-F5344CB8AC3E}">
+        <p14:creationId xmlns:p14="http://schemas.microsoft.com/office/powerpoint/2010/main" val="4127709475"/>
+      </p:ext>
+    </p:extLst>
+  </p:cSld>
+  <p:clrMapOvr>
+    <a:masterClrMapping/>
+  </p:clrMapOvr>
+  <p:timing>
+    <p:tnLst>
+      <p:par>
+        <p:cTn id="1" dur="indefinite" restart="never" nodeType="tmRoot"/>
+      </p:par>
+    </p:tnLst>
+  </p:timing>
 </p:sld>
 </file>
 
@@ -6828,11 +7255,7 @@
             <a:pPr algn="ctr"/>
             <a:r>
               <a:rPr lang="en-US" altLang="zh-CN" dirty="0" smtClean="0"/>
-              <a:t>Load </a:t>
-            </a:r>
-            <a:r>
-              <a:rPr lang="en-US" altLang="zh-CN" dirty="0" smtClean="0"/>
-              <a:t>Shedding[2]</a:t>
+              <a:t>Load Shedding[2]</a:t>
             </a:r>
             <a:endParaRPr lang="zh-CN" altLang="en-US" dirty="0"/>
           </a:p>
